--- a/Frontend/DataFlow/01.introduction.pptx
+++ b/Frontend/DataFlow/01.introduction.pptx
@@ -380,7 +380,7 @@
               <a:pPr>
                 <a:defRPr/>
               </a:pPr>
-              <a:t>2022/10/6</a:t>
+              <a:t>2022/12/14</a:t>
             </a:fld>
             <a:endParaRPr lang="en-US" altLang="zh-CN"/>
           </a:p>
@@ -633,7 +633,7 @@
             <a:fld id="{C45443A1-D8F2-48CD-A659-3CEDBA8DF541}" type="datetimeFigureOut">
               <a:rPr lang="zh-CN" altLang="en-US" smtClean="0"/>
               <a:pPr/>
-              <a:t>2022/10/6</a:t>
+              <a:t>2022/12/14</a:t>
             </a:fld>
             <a:endParaRPr lang="zh-CN" altLang="en-US"/>
           </a:p>
@@ -2683,7 +2683,13 @@
           <p:nvPr userDrawn="1"/>
         </p:nvPicPr>
         <p:blipFill>
-          <a:blip r:embed="rId3" cstate="print"/>
+          <a:blip r:embed="rId3" cstate="screen">
+            <a:extLst>
+              <a:ext uri="{28A0092B-C50C-407E-A947-70E740481C1C}">
+                <a14:useLocalDpi xmlns:a14="http://schemas.microsoft.com/office/drawing/2010/main"/>
+              </a:ext>
+            </a:extLst>
+          </a:blip>
           <a:srcRect/>
           <a:stretch>
             <a:fillRect/>
@@ -3468,7 +3474,7 @@
           <a:blip r:embed="rId3">
             <a:extLst>
               <a:ext uri="{28A0092B-C50C-407E-A947-70E740481C1C}">
-                <a14:useLocalDpi xmlns:a14="http://schemas.microsoft.com/office/drawing/2010/main" val="0"/>
+                <a14:useLocalDpi xmlns:a14="http://schemas.microsoft.com/office/drawing/2010/main"/>
               </a:ext>
             </a:extLst>
           </a:blip>
@@ -8227,7 +8233,7 @@
           <a:blip r:embed="rId5" cstate="print">
             <a:extLst>
               <a:ext uri="{28A0092B-C50C-407E-A947-70E740481C1C}">
-                <a14:useLocalDpi xmlns:a14="http://schemas.microsoft.com/office/drawing/2010/main" val="0"/>
+                <a14:useLocalDpi xmlns:a14="http://schemas.microsoft.com/office/drawing/2010/main"/>
               </a:ext>
             </a:extLst>
           </a:blip>
@@ -8288,10 +8294,10 @@
           <p:nvPr userDrawn="1"/>
         </p:nvPicPr>
         <p:blipFill>
-          <a:blip r:embed="rId6" cstate="print">
+          <a:blip r:embed="rId6" cstate="screen">
             <a:extLst>
               <a:ext uri="{28A0092B-C50C-407E-A947-70E740481C1C}">
-                <a14:useLocalDpi xmlns:a14="http://schemas.microsoft.com/office/drawing/2010/main" val="0"/>
+                <a14:useLocalDpi xmlns:a14="http://schemas.microsoft.com/office/drawing/2010/main"/>
               </a:ext>
             </a:extLst>
           </a:blip>
@@ -8324,14 +8330,14 @@
           <p:nvPr userDrawn="1"/>
         </p:nvPicPr>
         <p:blipFill rotWithShape="1">
-          <a:blip r:embed="rId7">
+          <a:blip r:embed="rId7" cstate="screen">
             <a:extLst>
               <a:ext uri="{28A0092B-C50C-407E-A947-70E740481C1C}">
-                <a14:useLocalDpi xmlns:a14="http://schemas.microsoft.com/office/drawing/2010/main" val="0"/>
+                <a14:useLocalDpi xmlns:a14="http://schemas.microsoft.com/office/drawing/2010/main"/>
               </a:ext>
             </a:extLst>
           </a:blip>
-          <a:srcRect r="65223"/>
+          <a:srcRect/>
           <a:stretch/>
         </p:blipFill>
         <p:spPr>
@@ -13818,7 +13824,7 @@
           <a:blip r:embed="rId6" cstate="print">
             <a:extLst>
               <a:ext uri="{28A0092B-C50C-407E-A947-70E740481C1C}">
-                <a14:useLocalDpi xmlns:a14="http://schemas.microsoft.com/office/drawing/2010/main" val="0"/>
+                <a14:useLocalDpi xmlns:a14="http://schemas.microsoft.com/office/drawing/2010/main"/>
               </a:ext>
             </a:extLst>
           </a:blip>
@@ -16533,7 +16539,7 @@
           <a:blip r:embed="rId4" cstate="print">
             <a:extLst>
               <a:ext uri="{28A0092B-C50C-407E-A947-70E740481C1C}">
-                <a14:useLocalDpi xmlns:a14="http://schemas.microsoft.com/office/drawing/2010/main" val="0"/>
+                <a14:useLocalDpi xmlns:a14="http://schemas.microsoft.com/office/drawing/2010/main"/>
               </a:ext>
             </a:extLst>
           </a:blip>
@@ -16597,7 +16603,7 @@
           <a:blip r:embed="rId5" cstate="print">
             <a:extLst>
               <a:ext uri="{28A0092B-C50C-407E-A947-70E740481C1C}">
-                <a14:useLocalDpi xmlns:a14="http://schemas.microsoft.com/office/drawing/2010/main" val="0"/>
+                <a14:useLocalDpi xmlns:a14="http://schemas.microsoft.com/office/drawing/2010/main"/>
               </a:ext>
             </a:extLst>
           </a:blip>
@@ -17469,10 +17475,10 @@
           <p:nvPr/>
         </p:nvPicPr>
         <p:blipFill>
-          <a:blip r:embed="rId2">
+          <a:blip r:embed="rId2" cstate="screen">
             <a:extLst>
               <a:ext uri="{28A0092B-C50C-407E-A947-70E740481C1C}">
-                <a14:useLocalDpi xmlns:a14="http://schemas.microsoft.com/office/drawing/2010/main" val="0"/>
+                <a14:useLocalDpi xmlns:a14="http://schemas.microsoft.com/office/drawing/2010/main"/>
               </a:ext>
             </a:extLst>
           </a:blip>
@@ -18153,10 +18159,10 @@
           <p:nvPr/>
         </p:nvPicPr>
         <p:blipFill>
-          <a:blip r:embed="rId2">
+          <a:blip r:embed="rId2" cstate="screen">
             <a:extLst>
               <a:ext uri="{28A0092B-C50C-407E-A947-70E740481C1C}">
-                <a14:useLocalDpi xmlns:a14="http://schemas.microsoft.com/office/drawing/2010/main" val="0"/>
+                <a14:useLocalDpi xmlns:a14="http://schemas.microsoft.com/office/drawing/2010/main"/>
               </a:ext>
             </a:extLst>
           </a:blip>
